--- a/Phân quyền Quản Lý Cửa Hàng.pptx
+++ b/Phân quyền Quản Lý Cửa Hàng.pptx
@@ -261,7 +261,7 @@
           <a:p>
             <a:fld id="{C2B9569D-F428-4FC9-978A-125233DB5298}" type="datetimeFigureOut">
               <a:rPr lang="en-US" smtClean="0"/>
-              <a:t>13/10/2024</a:t>
+              <a:t>22/10/2024</a:t>
             </a:fld>
             <a:endParaRPr lang="en-US"/>
           </a:p>
@@ -459,7 +459,7 @@
           <a:p>
             <a:fld id="{C2B9569D-F428-4FC9-978A-125233DB5298}" type="datetimeFigureOut">
               <a:rPr lang="en-US" smtClean="0"/>
-              <a:t>13/10/2024</a:t>
+              <a:t>22/10/2024</a:t>
             </a:fld>
             <a:endParaRPr lang="en-US"/>
           </a:p>
@@ -667,7 +667,7 @@
           <a:p>
             <a:fld id="{C2B9569D-F428-4FC9-978A-125233DB5298}" type="datetimeFigureOut">
               <a:rPr lang="en-US" smtClean="0"/>
-              <a:t>13/10/2024</a:t>
+              <a:t>22/10/2024</a:t>
             </a:fld>
             <a:endParaRPr lang="en-US"/>
           </a:p>
@@ -865,7 +865,7 @@
           <a:p>
             <a:fld id="{C2B9569D-F428-4FC9-978A-125233DB5298}" type="datetimeFigureOut">
               <a:rPr lang="en-US" smtClean="0"/>
-              <a:t>13/10/2024</a:t>
+              <a:t>22/10/2024</a:t>
             </a:fld>
             <a:endParaRPr lang="en-US"/>
           </a:p>
@@ -1140,7 +1140,7 @@
           <a:p>
             <a:fld id="{C2B9569D-F428-4FC9-978A-125233DB5298}" type="datetimeFigureOut">
               <a:rPr lang="en-US" smtClean="0"/>
-              <a:t>13/10/2024</a:t>
+              <a:t>22/10/2024</a:t>
             </a:fld>
             <a:endParaRPr lang="en-US"/>
           </a:p>
@@ -1405,7 +1405,7 @@
           <a:p>
             <a:fld id="{C2B9569D-F428-4FC9-978A-125233DB5298}" type="datetimeFigureOut">
               <a:rPr lang="en-US" smtClean="0"/>
-              <a:t>13/10/2024</a:t>
+              <a:t>22/10/2024</a:t>
             </a:fld>
             <a:endParaRPr lang="en-US"/>
           </a:p>
@@ -1817,7 +1817,7 @@
           <a:p>
             <a:fld id="{C2B9569D-F428-4FC9-978A-125233DB5298}" type="datetimeFigureOut">
               <a:rPr lang="en-US" smtClean="0"/>
-              <a:t>13/10/2024</a:t>
+              <a:t>22/10/2024</a:t>
             </a:fld>
             <a:endParaRPr lang="en-US"/>
           </a:p>
@@ -1958,7 +1958,7 @@
           <a:p>
             <a:fld id="{C2B9569D-F428-4FC9-978A-125233DB5298}" type="datetimeFigureOut">
               <a:rPr lang="en-US" smtClean="0"/>
-              <a:t>13/10/2024</a:t>
+              <a:t>22/10/2024</a:t>
             </a:fld>
             <a:endParaRPr lang="en-US"/>
           </a:p>
@@ -2071,7 +2071,7 @@
           <a:p>
             <a:fld id="{C2B9569D-F428-4FC9-978A-125233DB5298}" type="datetimeFigureOut">
               <a:rPr lang="en-US" smtClean="0"/>
-              <a:t>13/10/2024</a:t>
+              <a:t>22/10/2024</a:t>
             </a:fld>
             <a:endParaRPr lang="en-US"/>
           </a:p>
@@ -2382,7 +2382,7 @@
           <a:p>
             <a:fld id="{C2B9569D-F428-4FC9-978A-125233DB5298}" type="datetimeFigureOut">
               <a:rPr lang="en-US" smtClean="0"/>
-              <a:t>13/10/2024</a:t>
+              <a:t>22/10/2024</a:t>
             </a:fld>
             <a:endParaRPr lang="en-US"/>
           </a:p>
@@ -2670,7 +2670,7 @@
           <a:p>
             <a:fld id="{C2B9569D-F428-4FC9-978A-125233DB5298}" type="datetimeFigureOut">
               <a:rPr lang="en-US" smtClean="0"/>
-              <a:t>13/10/2024</a:t>
+              <a:t>22/10/2024</a:t>
             </a:fld>
             <a:endParaRPr lang="en-US"/>
           </a:p>
@@ -2911,7 +2911,7 @@
           <a:p>
             <a:fld id="{C2B9569D-F428-4FC9-978A-125233DB5298}" type="datetimeFigureOut">
               <a:rPr lang="en-US" smtClean="0"/>
-              <a:t>13/10/2024</a:t>
+              <a:t>22/10/2024</a:t>
             </a:fld>
             <a:endParaRPr lang="en-US"/>
           </a:p>
@@ -3509,62 +3509,61 @@
               <a:t> </a:t>
             </a:r>
             <a:r>
-              <a:rPr lang="en-US" dirty="0" err="1" smtClean="0"/>
+              <a:rPr lang="en-US" dirty="0" err="1"/>
               <a:t>trang</a:t>
             </a:r>
             <a:r>
-              <a:rPr lang="en-US" dirty="0" smtClean="0"/>
+              <a:rPr lang="en-US" dirty="0"/>
               <a:t>, </a:t>
             </a:r>
             <a:r>
-              <a:rPr lang="en-US" dirty="0" err="1" smtClean="0"/>
+              <a:rPr lang="en-US" dirty="0" err="1"/>
               <a:t>xóa</a:t>
             </a:r>
             <a:r>
-              <a:rPr lang="en-US" dirty="0" smtClean="0"/>
-              <a:t> </a:t>
-            </a:r>
-            <a:r>
-              <a:rPr lang="en-US" dirty="0" err="1" smtClean="0"/>
+              <a:rPr lang="en-US" dirty="0"/>
+              <a:t> </a:t>
+            </a:r>
+            <a:r>
+              <a:rPr lang="en-US" dirty="0" err="1"/>
               <a:t>và</a:t>
             </a:r>
             <a:r>
-              <a:rPr lang="en-US" dirty="0" smtClean="0"/>
-              <a:t> </a:t>
-            </a:r>
-            <a:r>
-              <a:rPr lang="en-US" dirty="0" err="1" smtClean="0"/>
+              <a:rPr lang="en-US" dirty="0"/>
+              <a:t> </a:t>
+            </a:r>
+            <a:r>
+              <a:rPr lang="en-US" dirty="0" err="1"/>
               <a:t>mất</a:t>
             </a:r>
             <a:r>
-              <a:rPr lang="en-US" dirty="0" smtClean="0"/>
-              <a:t> </a:t>
-            </a:r>
-            <a:r>
-              <a:rPr lang="en-US" dirty="0" err="1" smtClean="0"/>
+              <a:rPr lang="en-US" dirty="0"/>
+              <a:t> </a:t>
+            </a:r>
+            <a:r>
+              <a:rPr lang="en-US" dirty="0" err="1"/>
               <a:t>trang</a:t>
             </a:r>
             <a:r>
-              <a:rPr lang="en-US" dirty="0" smtClean="0"/>
-              <a:t> </a:t>
-            </a:r>
-            <a:r>
-              <a:rPr lang="en-US" dirty="0" err="1" smtClean="0"/>
+              <a:rPr lang="en-US" dirty="0"/>
+              <a:t> </a:t>
+            </a:r>
+            <a:r>
+              <a:rPr lang="en-US" dirty="0" err="1"/>
               <a:t>vĩnh</a:t>
             </a:r>
             <a:r>
-              <a:rPr lang="en-US" dirty="0" smtClean="0"/>
-              <a:t> </a:t>
-            </a:r>
-            <a:r>
-              <a:rPr lang="en-US" dirty="0" err="1" smtClean="0"/>
+              <a:rPr lang="en-US" dirty="0"/>
+              <a:t> </a:t>
+            </a:r>
+            <a:r>
+              <a:rPr lang="en-US" dirty="0" err="1"/>
               <a:t>viễn</a:t>
             </a:r>
             <a:r>
-              <a:rPr lang="en-US" dirty="0" smtClean="0"/>
+              <a:rPr lang="en-US" dirty="0"/>
               <a:t>.</a:t>
             </a:r>
-            <a:endParaRPr lang="en-US" dirty="0"/>
           </a:p>
         </p:txBody>
       </p:sp>
@@ -3621,51 +3620,51 @@
               <a:t> </a:t>
             </a:r>
             <a:r>
-              <a:rPr lang="en-US" dirty="0" err="1" smtClean="0"/>
+              <a:rPr lang="en-US" dirty="0" err="1"/>
               <a:t>trang</a:t>
             </a:r>
             <a:r>
-              <a:rPr lang="en-US" dirty="0" smtClean="0"/>
+              <a:rPr lang="en-US" dirty="0"/>
               <a:t> ( </a:t>
             </a:r>
             <a:r>
-              <a:rPr lang="en-US" dirty="0" err="1" smtClean="0"/>
+              <a:rPr lang="en-US" dirty="0" err="1"/>
               <a:t>xóa</a:t>
             </a:r>
             <a:r>
-              <a:rPr lang="en-US" dirty="0" smtClean="0"/>
-              <a:t> </a:t>
-            </a:r>
-            <a:r>
-              <a:rPr lang="en-US" dirty="0" err="1" smtClean="0"/>
+              <a:rPr lang="en-US" dirty="0"/>
+              <a:t> </a:t>
+            </a:r>
+            <a:r>
+              <a:rPr lang="en-US" dirty="0" err="1"/>
               <a:t>mất</a:t>
             </a:r>
             <a:r>
-              <a:rPr lang="en-US" dirty="0" smtClean="0"/>
-              <a:t> </a:t>
-            </a:r>
-            <a:r>
-              <a:rPr lang="en-US" dirty="0" err="1" smtClean="0"/>
+              <a:rPr lang="en-US" dirty="0"/>
+              <a:t> </a:t>
+            </a:r>
+            <a:r>
+              <a:rPr lang="en-US" dirty="0" err="1"/>
               <a:t>trang</a:t>
             </a:r>
             <a:r>
-              <a:rPr lang="en-US" dirty="0" smtClean="0"/>
-              <a:t> </a:t>
-            </a:r>
-            <a:r>
-              <a:rPr lang="en-US" dirty="0" err="1" smtClean="0"/>
+              <a:rPr lang="en-US" dirty="0"/>
+              <a:t> </a:t>
+            </a:r>
+            <a:r>
+              <a:rPr lang="en-US" dirty="0" err="1"/>
               <a:t>vĩnh</a:t>
             </a:r>
             <a:r>
-              <a:rPr lang="en-US" dirty="0" smtClean="0"/>
-              <a:t> </a:t>
-            </a:r>
-            <a:r>
-              <a:rPr lang="en-US" dirty="0" err="1" smtClean="0"/>
+              <a:rPr lang="en-US" dirty="0"/>
+              <a:t> </a:t>
+            </a:r>
+            <a:r>
+              <a:rPr lang="en-US" dirty="0" err="1"/>
               <a:t>viễn</a:t>
             </a:r>
             <a:r>
-              <a:rPr lang="en-US" dirty="0" smtClean="0"/>
+              <a:rPr lang="en-US" dirty="0"/>
               <a:t> ) </a:t>
             </a:r>
             <a:r>
@@ -3762,85 +3761,85 @@
               <a:t> </a:t>
             </a:r>
             <a:r>
-              <a:rPr lang="en-US" dirty="0" err="1" smtClean="0">
+              <a:rPr lang="en-US" dirty="0" err="1">
                 <a:sym typeface="Wingdings" panose="05000000000000000000" pitchFamily="2" charset="2"/>
               </a:rPr>
               <a:t>chỉnh</a:t>
             </a:r>
             <a:r>
-              <a:rPr lang="en-US" dirty="0" smtClean="0">
+              <a:rPr lang="en-US" dirty="0">
                 <a:sym typeface="Wingdings" panose="05000000000000000000" pitchFamily="2" charset="2"/>
               </a:rPr>
               <a:t> </a:t>
             </a:r>
             <a:r>
-              <a:rPr lang="en-US" dirty="0" err="1" smtClean="0">
+              <a:rPr lang="en-US" dirty="0" err="1">
                 <a:sym typeface="Wingdings" panose="05000000000000000000" pitchFamily="2" charset="2"/>
               </a:rPr>
               <a:t>sửa</a:t>
             </a:r>
             <a:r>
-              <a:rPr lang="en-US" dirty="0" smtClean="0">
+              <a:rPr lang="en-US" dirty="0">
                 <a:sym typeface="Wingdings" panose="05000000000000000000" pitchFamily="2" charset="2"/>
               </a:rPr>
               <a:t> </a:t>
             </a:r>
             <a:r>
-              <a:rPr lang="en-US" dirty="0" err="1" smtClean="0">
+              <a:rPr lang="en-US" dirty="0" err="1">
                 <a:sym typeface="Wingdings" panose="05000000000000000000" pitchFamily="2" charset="2"/>
               </a:rPr>
               <a:t>lại</a:t>
             </a:r>
             <a:r>
-              <a:rPr lang="en-US" dirty="0" smtClean="0">
+              <a:rPr lang="en-US" dirty="0">
                 <a:sym typeface="Wingdings" panose="05000000000000000000" pitchFamily="2" charset="2"/>
               </a:rPr>
               <a:t> </a:t>
             </a:r>
             <a:r>
-              <a:rPr lang="en-US" dirty="0" err="1" smtClean="0">
+              <a:rPr lang="en-US" dirty="0" err="1">
                 <a:sym typeface="Wingdings" panose="05000000000000000000" pitchFamily="2" charset="2"/>
               </a:rPr>
               <a:t>quyền</a:t>
             </a:r>
             <a:r>
-              <a:rPr lang="en-US" dirty="0" smtClean="0">
+              <a:rPr lang="en-US" dirty="0">
                 <a:sym typeface="Wingdings" panose="05000000000000000000" pitchFamily="2" charset="2"/>
               </a:rPr>
               <a:t> “ </a:t>
             </a:r>
             <a:r>
-              <a:rPr lang="en-US" dirty="0" err="1" smtClean="0">
+              <a:rPr lang="en-US" dirty="0" err="1">
                 <a:sym typeface="Wingdings" panose="05000000000000000000" pitchFamily="2" charset="2"/>
               </a:rPr>
               <a:t>quản</a:t>
             </a:r>
             <a:r>
-              <a:rPr lang="en-US" dirty="0" smtClean="0">
+              <a:rPr lang="en-US" dirty="0">
                 <a:sym typeface="Wingdings" panose="05000000000000000000" pitchFamily="2" charset="2"/>
               </a:rPr>
               <a:t> </a:t>
             </a:r>
             <a:r>
-              <a:rPr lang="en-US" dirty="0" err="1" smtClean="0">
+              <a:rPr lang="en-US" dirty="0" err="1">
                 <a:sym typeface="Wingdings" panose="05000000000000000000" pitchFamily="2" charset="2"/>
               </a:rPr>
               <a:t>lý</a:t>
             </a:r>
             <a:r>
-              <a:rPr lang="en-US" dirty="0" smtClean="0">
+              <a:rPr lang="en-US" dirty="0">
                 <a:sym typeface="Wingdings" panose="05000000000000000000" pitchFamily="2" charset="2"/>
               </a:rPr>
               <a:t> </a:t>
             </a:r>
             <a:r>
-              <a:rPr lang="en-US" dirty="0" err="1" smtClean="0">
+              <a:rPr lang="en-US" dirty="0" err="1">
                 <a:sym typeface="Wingdings" panose="05000000000000000000" pitchFamily="2" charset="2"/>
               </a:rPr>
               <a:t>cửa</a:t>
             </a:r>
             <a:r>
-              <a:rPr lang="en-US" dirty="0" smtClean="0">
+              <a:rPr lang="en-US" dirty="0">
                 <a:sym typeface="Wingdings" panose="05000000000000000000" pitchFamily="2" charset="2"/>
               </a:rPr>
               <a:t> hang ” , </a:t>
@@ -4028,7 +4027,7 @@
           <a:lstStyle/>
           <a:p>
             <a:r>
-              <a:rPr lang="en-US" sz="2400" b="1" u="sng" dirty="0" err="1" smtClean="0">
+              <a:rPr lang="en-US" sz="2400" b="1" u="sng" dirty="0" err="1">
                 <a:solidFill>
                   <a:srgbClr val="FF0000"/>
                 </a:solidFill>
@@ -4038,7 +4037,7 @@
               <a:t>Bất</a:t>
             </a:r>
             <a:r>
-              <a:rPr lang="en-US" sz="2400" b="1" u="sng" dirty="0" smtClean="0">
+              <a:rPr lang="en-US" sz="2400" b="1" u="sng" dirty="0">
                 <a:solidFill>
                   <a:srgbClr val="FF0000"/>
                 </a:solidFill>
@@ -4048,7 +4047,7 @@
               <a:t> </a:t>
             </a:r>
             <a:r>
-              <a:rPr lang="en-US" sz="2400" b="1" u="sng" dirty="0" err="1" smtClean="0">
+              <a:rPr lang="en-US" sz="2400" b="1" u="sng" dirty="0" err="1">
                 <a:solidFill>
                   <a:srgbClr val="FF0000"/>
                 </a:solidFill>
@@ -4058,7 +4057,7 @@
               <a:t>cập</a:t>
             </a:r>
             <a:r>
-              <a:rPr lang="en-US" sz="2400" b="1" u="sng" dirty="0" smtClean="0">
+              <a:rPr lang="en-US" sz="2400" b="1" u="sng" dirty="0">
                 <a:solidFill>
                   <a:srgbClr val="FF0000"/>
                 </a:solidFill>
@@ -4068,7 +4067,7 @@
               <a:t> </a:t>
             </a:r>
             <a:r>
-              <a:rPr lang="en-US" sz="2400" b="1" u="sng" dirty="0" err="1" smtClean="0">
+              <a:rPr lang="en-US" sz="2400" b="1" u="sng" dirty="0" err="1">
                 <a:solidFill>
                   <a:srgbClr val="FF0000"/>
                 </a:solidFill>
@@ -4078,7 +4077,7 @@
               <a:t>của</a:t>
             </a:r>
             <a:r>
-              <a:rPr lang="en-US" sz="2400" b="1" u="sng" dirty="0" smtClean="0">
+              <a:rPr lang="en-US" sz="2400" b="1" u="sng" dirty="0">
                 <a:solidFill>
                   <a:srgbClr val="FF0000"/>
                 </a:solidFill>
@@ -4088,7 +4087,7 @@
               <a:t> </a:t>
             </a:r>
             <a:r>
-              <a:rPr lang="en-US" sz="2400" b="1" u="sng" dirty="0" err="1" smtClean="0">
+              <a:rPr lang="en-US" sz="2400" b="1" u="sng" dirty="0" err="1">
                 <a:solidFill>
                   <a:srgbClr val="FF0000"/>
                 </a:solidFill>
@@ -4098,7 +4097,7 @@
               <a:t>quyền</a:t>
             </a:r>
             <a:r>
-              <a:rPr lang="en-US" sz="2400" b="1" u="sng" dirty="0" smtClean="0">
+              <a:rPr lang="en-US" sz="2400" b="1" u="sng" dirty="0">
                 <a:solidFill>
                   <a:srgbClr val="FF0000"/>
                 </a:solidFill>
@@ -4108,7 +4107,7 @@
               <a:t> “ </a:t>
             </a:r>
             <a:r>
-              <a:rPr lang="en-US" sz="2400" b="1" u="sng" dirty="0" err="1" smtClean="0">
+              <a:rPr lang="en-US" sz="2400" b="1" u="sng" dirty="0" err="1">
                 <a:solidFill>
                   <a:srgbClr val="FF0000"/>
                 </a:solidFill>
@@ -4118,7 +4117,7 @@
               <a:t>Quản</a:t>
             </a:r>
             <a:r>
-              <a:rPr lang="en-US" sz="2400" b="1" u="sng" dirty="0" smtClean="0">
+              <a:rPr lang="en-US" sz="2400" b="1" u="sng" dirty="0">
                 <a:solidFill>
                   <a:srgbClr val="FF0000"/>
                 </a:solidFill>
@@ -4128,7 +4127,7 @@
               <a:t> </a:t>
             </a:r>
             <a:r>
-              <a:rPr lang="en-US" sz="2400" b="1" u="sng" dirty="0" err="1" smtClean="0">
+              <a:rPr lang="en-US" sz="2400" b="1" u="sng" dirty="0" err="1">
                 <a:solidFill>
                   <a:srgbClr val="FF0000"/>
                 </a:solidFill>
@@ -4138,7 +4137,7 @@
               <a:t>lý</a:t>
             </a:r>
             <a:r>
-              <a:rPr lang="en-US" sz="2400" b="1" u="sng" dirty="0" smtClean="0">
+              <a:rPr lang="en-US" sz="2400" b="1" u="sng" dirty="0">
                 <a:solidFill>
                   <a:srgbClr val="FF0000"/>
                 </a:solidFill>
@@ -4148,7 +4147,7 @@
               <a:t> </a:t>
             </a:r>
             <a:r>
-              <a:rPr lang="en-US" sz="2400" b="1" u="sng" dirty="0" err="1" smtClean="0">
+              <a:rPr lang="en-US" sz="2400" b="1" u="sng" dirty="0" err="1">
                 <a:solidFill>
                   <a:srgbClr val="FF0000"/>
                 </a:solidFill>
@@ -4158,7 +4157,7 @@
               <a:t>cửa</a:t>
             </a:r>
             <a:r>
-              <a:rPr lang="en-US" sz="2400" b="1" u="sng" dirty="0" smtClean="0">
+              <a:rPr lang="en-US" sz="2400" b="1" u="sng" dirty="0">
                 <a:solidFill>
                   <a:srgbClr val="FF0000"/>
                 </a:solidFill>
@@ -4168,7 +4167,7 @@
               <a:t> </a:t>
             </a:r>
             <a:r>
-              <a:rPr lang="en-US" sz="2400" b="1" u="sng" dirty="0" err="1" smtClean="0">
+              <a:rPr lang="en-US" sz="2400" b="1" u="sng" dirty="0" err="1">
                 <a:solidFill>
                   <a:srgbClr val="FF0000"/>
                 </a:solidFill>
@@ -4178,7 +4177,7 @@
               <a:t>hàng</a:t>
             </a:r>
             <a:r>
-              <a:rPr lang="en-US" sz="2400" b="1" u="sng" dirty="0" smtClean="0">
+              <a:rPr lang="en-US" sz="2400" b="1" u="sng" dirty="0">
                 <a:solidFill>
                   <a:srgbClr val="FF0000"/>
                 </a:solidFill>
@@ -4188,7 +4187,7 @@
               <a:t>” </a:t>
             </a:r>
             <a:r>
-              <a:rPr lang="en-US" sz="2400" b="1" u="sng" dirty="0" err="1" smtClean="0">
+              <a:rPr lang="en-US" sz="2400" b="1" u="sng" dirty="0" err="1">
                 <a:solidFill>
                   <a:srgbClr val="FF0000"/>
                 </a:solidFill>
@@ -4198,7 +4197,7 @@
               <a:t>mặc</a:t>
             </a:r>
             <a:r>
-              <a:rPr lang="en-US" sz="2400" b="1" u="sng" dirty="0" smtClean="0">
+              <a:rPr lang="en-US" sz="2400" b="1" u="sng" dirty="0">
                 <a:solidFill>
                   <a:srgbClr val="FF0000"/>
                 </a:solidFill>
@@ -4208,7 +4207,7 @@
               <a:t> </a:t>
             </a:r>
             <a:r>
-              <a:rPr lang="en-US" sz="2400" b="1" u="sng" dirty="0" err="1" smtClean="0">
+              <a:rPr lang="en-US" sz="2400" b="1" u="sng" dirty="0" err="1">
                 <a:solidFill>
                   <a:srgbClr val="FF0000"/>
                 </a:solidFill>
@@ -4218,7 +4217,7 @@
               <a:t>định</a:t>
             </a:r>
             <a:r>
-              <a:rPr lang="en-US" sz="2400" b="1" u="sng" dirty="0" smtClean="0">
+              <a:rPr lang="en-US" sz="2400" b="1" u="sng" dirty="0">
                 <a:solidFill>
                   <a:srgbClr val="FF0000"/>
                 </a:solidFill>
@@ -4228,7 +4227,7 @@
               <a:t> </a:t>
             </a:r>
             <a:r>
-              <a:rPr lang="en-US" sz="2400" b="1" u="sng" dirty="0" err="1" smtClean="0">
+              <a:rPr lang="en-US" sz="2400" b="1" u="sng" dirty="0" err="1">
                 <a:solidFill>
                   <a:srgbClr val="FF0000"/>
                 </a:solidFill>
@@ -4238,7 +4237,7 @@
               <a:t>trong</a:t>
             </a:r>
             <a:r>
-              <a:rPr lang="en-US" sz="2400" b="1" u="sng" dirty="0" smtClean="0">
+              <a:rPr lang="en-US" sz="2400" b="1" u="sng" dirty="0">
                 <a:solidFill>
                   <a:srgbClr val="FF0000"/>
                 </a:solidFill>
@@ -4248,16 +4247,12 @@
               <a:t> WordPress</a:t>
             </a:r>
             <a:r>
-              <a:rPr lang="en-US" sz="2000" b="1" u="sng" dirty="0" smtClean="0">
+              <a:rPr lang="en-US" sz="2000" b="1" u="sng" dirty="0">
                 <a:latin typeface="Times New Roman" panose="02020603050405020304" pitchFamily="18" charset="0"/>
                 <a:cs typeface="Times New Roman" panose="02020603050405020304" pitchFamily="18" charset="0"/>
               </a:rPr>
               <a:t>.</a:t>
             </a:r>
-            <a:endParaRPr lang="en-US" sz="2000" b="1" u="sng" dirty="0">
-              <a:latin typeface="Times New Roman" panose="02020603050405020304" pitchFamily="18" charset="0"/>
-              <a:cs typeface="Times New Roman" panose="02020603050405020304" pitchFamily="18" charset="0"/>
-            </a:endParaRPr>
           </a:p>
         </p:txBody>
       </p:sp>
@@ -4454,148 +4449,148 @@
           </a:lstStyle>
           <a:p>
             <a:r>
-              <a:rPr lang="en-US" dirty="0" err="1" smtClean="0"/>
+              <a:rPr lang="en-US" dirty="0" err="1"/>
               <a:t>Chỉ</a:t>
             </a:r>
             <a:r>
-              <a:rPr lang="en-US" dirty="0" smtClean="0"/>
-              <a:t> </a:t>
-            </a:r>
-            <a:r>
-              <a:rPr lang="en-US" dirty="0" err="1" smtClean="0"/>
+              <a:rPr lang="en-US" dirty="0"/>
+              <a:t> </a:t>
+            </a:r>
+            <a:r>
+              <a:rPr lang="en-US" dirty="0" err="1"/>
               <a:t>có</a:t>
             </a:r>
             <a:r>
-              <a:rPr lang="en-US" dirty="0" smtClean="0"/>
-              <a:t> </a:t>
-            </a:r>
-            <a:r>
-              <a:rPr lang="en-US" dirty="0" err="1" smtClean="0"/>
+              <a:rPr lang="en-US" dirty="0"/>
+              <a:t> </a:t>
+            </a:r>
+            <a:r>
+              <a:rPr lang="en-US" dirty="0" err="1"/>
               <a:t>quyền</a:t>
             </a:r>
             <a:r>
-              <a:rPr lang="en-US" dirty="0" smtClean="0"/>
-              <a:t> </a:t>
-            </a:r>
-            <a:r>
-              <a:rPr lang="en-US" dirty="0" err="1" smtClean="0"/>
+              <a:rPr lang="en-US" dirty="0"/>
+              <a:t> </a:t>
+            </a:r>
+            <a:r>
+              <a:rPr lang="en-US" dirty="0" err="1"/>
               <a:t>xem</a:t>
             </a:r>
             <a:r>
-              <a:rPr lang="en-US" dirty="0" smtClean="0"/>
-              <a:t> </a:t>
-            </a:r>
-            <a:r>
-              <a:rPr lang="en-US" dirty="0" err="1" smtClean="0"/>
+              <a:rPr lang="en-US" dirty="0"/>
+              <a:t> </a:t>
+            </a:r>
+            <a:r>
+              <a:rPr lang="en-US" dirty="0" err="1"/>
               <a:t>tài</a:t>
             </a:r>
             <a:r>
-              <a:rPr lang="en-US" dirty="0" smtClean="0"/>
-              <a:t> </a:t>
-            </a:r>
-            <a:r>
-              <a:rPr lang="en-US" dirty="0" err="1" smtClean="0"/>
+              <a:rPr lang="en-US" dirty="0"/>
+              <a:t> </a:t>
+            </a:r>
+            <a:r>
+              <a:rPr lang="en-US" dirty="0" err="1"/>
               <a:t>khoản</a:t>
             </a:r>
             <a:r>
-              <a:rPr lang="en-US" dirty="0" smtClean="0"/>
-              <a:t> </a:t>
-            </a:r>
-            <a:r>
-              <a:rPr lang="en-US" dirty="0" err="1" smtClean="0"/>
+              <a:rPr lang="en-US" dirty="0"/>
+              <a:t> </a:t>
+            </a:r>
+            <a:r>
+              <a:rPr lang="en-US" dirty="0" err="1"/>
               <a:t>của</a:t>
             </a:r>
             <a:r>
-              <a:rPr lang="en-US" dirty="0" smtClean="0"/>
+              <a:rPr lang="en-US" dirty="0"/>
               <a:t> ng</a:t>
             </a:r>
             <a:r>
-              <a:rPr lang="vi-VN" dirty="0" smtClean="0"/>
+              <a:rPr lang="vi-VN" dirty="0"/>
               <a:t>ư</a:t>
             </a:r>
             <a:r>
-              <a:rPr lang="en-US" dirty="0" err="1" smtClean="0"/>
+              <a:rPr lang="en-US" dirty="0" err="1"/>
               <a:t>ời</a:t>
             </a:r>
             <a:r>
-              <a:rPr lang="en-US" dirty="0" smtClean="0"/>
-              <a:t> </a:t>
-            </a:r>
-            <a:r>
-              <a:rPr lang="en-US" dirty="0" err="1" smtClean="0"/>
+              <a:rPr lang="en-US" dirty="0"/>
+              <a:t> </a:t>
+            </a:r>
+            <a:r>
+              <a:rPr lang="en-US" dirty="0" err="1"/>
               <a:t>khác</a:t>
             </a:r>
             <a:r>
-              <a:rPr lang="en-US" dirty="0" smtClean="0"/>
-              <a:t> </a:t>
-            </a:r>
-            <a:r>
-              <a:rPr lang="en-US" dirty="0" err="1" smtClean="0"/>
+              <a:rPr lang="en-US" dirty="0"/>
+              <a:t> </a:t>
+            </a:r>
+            <a:r>
+              <a:rPr lang="en-US" dirty="0" err="1"/>
               <a:t>và</a:t>
             </a:r>
             <a:r>
-              <a:rPr lang="en-US" dirty="0" smtClean="0"/>
-              <a:t> </a:t>
-            </a:r>
-            <a:r>
-              <a:rPr lang="en-US" dirty="0" err="1" smtClean="0"/>
+              <a:rPr lang="en-US" dirty="0"/>
+              <a:t> </a:t>
+            </a:r>
+            <a:r>
+              <a:rPr lang="en-US" dirty="0" err="1"/>
               <a:t>chỉnh</a:t>
             </a:r>
             <a:r>
-              <a:rPr lang="en-US" dirty="0" smtClean="0"/>
-              <a:t> </a:t>
-            </a:r>
-            <a:r>
-              <a:rPr lang="en-US" dirty="0" err="1" smtClean="0"/>
+              <a:rPr lang="en-US" dirty="0"/>
+              <a:t> </a:t>
+            </a:r>
+            <a:r>
+              <a:rPr lang="en-US" dirty="0" err="1"/>
               <a:t>sửa</a:t>
             </a:r>
             <a:r>
-              <a:rPr lang="en-US" dirty="0" smtClean="0"/>
-              <a:t> </a:t>
-            </a:r>
-            <a:r>
-              <a:rPr lang="en-US" dirty="0" err="1" smtClean="0"/>
+              <a:rPr lang="en-US" dirty="0"/>
+              <a:t> </a:t>
+            </a:r>
+            <a:r>
+              <a:rPr lang="en-US" dirty="0" err="1"/>
               <a:t>tài</a:t>
             </a:r>
             <a:r>
-              <a:rPr lang="en-US" dirty="0" smtClean="0"/>
-              <a:t> </a:t>
-            </a:r>
-            <a:r>
-              <a:rPr lang="en-US" dirty="0" err="1" smtClean="0"/>
+              <a:rPr lang="en-US" dirty="0"/>
+              <a:t> </a:t>
+            </a:r>
+            <a:r>
+              <a:rPr lang="en-US" dirty="0" err="1"/>
               <a:t>khoản</a:t>
             </a:r>
             <a:r>
-              <a:rPr lang="en-US" dirty="0" smtClean="0"/>
-              <a:t> </a:t>
-            </a:r>
-            <a:r>
-              <a:rPr lang="en-US" dirty="0" err="1" smtClean="0"/>
+              <a:rPr lang="en-US" dirty="0"/>
+              <a:t> </a:t>
+            </a:r>
+            <a:r>
+              <a:rPr lang="en-US" dirty="0" err="1"/>
               <a:t>của</a:t>
             </a:r>
             <a:r>
-              <a:rPr lang="en-US" dirty="0" smtClean="0"/>
-              <a:t> </a:t>
-            </a:r>
-            <a:r>
-              <a:rPr lang="en-US" dirty="0" err="1" smtClean="0"/>
+              <a:rPr lang="en-US" dirty="0"/>
+              <a:t> </a:t>
+            </a:r>
+            <a:r>
+              <a:rPr lang="en-US" dirty="0" err="1"/>
               <a:t>chính</a:t>
             </a:r>
             <a:r>
-              <a:rPr lang="en-US" dirty="0" smtClean="0"/>
-              <a:t> </a:t>
-            </a:r>
-            <a:r>
-              <a:rPr lang="en-US" dirty="0" err="1" smtClean="0"/>
+              <a:rPr lang="en-US" dirty="0"/>
+              <a:t> </a:t>
+            </a:r>
+            <a:r>
+              <a:rPr lang="en-US" dirty="0" err="1"/>
               <a:t>mình</a:t>
             </a:r>
             <a:r>
-              <a:rPr lang="en-US" dirty="0" smtClean="0"/>
+              <a:rPr lang="en-US" dirty="0"/>
               <a:t>.</a:t>
             </a:r>
           </a:p>
           <a:p>
-            <a:endParaRPr lang="en-US" dirty="0" smtClean="0"/>
+            <a:endParaRPr lang="en-US" dirty="0"/>
           </a:p>
           <a:p>
             <a:endParaRPr lang="en-US" dirty="0"/>
@@ -4655,7 +4650,7 @@
           <a:lstStyle/>
           <a:p>
             <a:r>
-              <a:rPr lang="en-US" b="1" u="sng" dirty="0" err="1" smtClean="0">
+              <a:rPr lang="en-US" b="1" u="sng" dirty="0" err="1">
                 <a:solidFill>
                   <a:srgbClr val="FF0000"/>
                 </a:solidFill>
@@ -4663,7 +4658,7 @@
               <a:t>Sử</a:t>
             </a:r>
             <a:r>
-              <a:rPr lang="en-US" b="1" u="sng" dirty="0" smtClean="0">
+              <a:rPr lang="en-US" b="1" u="sng" dirty="0">
                 <a:solidFill>
                   <a:srgbClr val="FF0000"/>
                 </a:solidFill>
@@ -4671,7 +4666,7 @@
               <a:t> </a:t>
             </a:r>
             <a:r>
-              <a:rPr lang="en-US" b="1" u="sng" dirty="0" err="1" smtClean="0">
+              <a:rPr lang="en-US" b="1" u="sng" dirty="0" err="1">
                 <a:solidFill>
                   <a:srgbClr val="FF0000"/>
                 </a:solidFill>
@@ -4679,7 +4674,7 @@
               <a:t>dụng</a:t>
             </a:r>
             <a:r>
-              <a:rPr lang="en-US" b="1" u="sng" dirty="0" smtClean="0">
+              <a:rPr lang="en-US" b="1" u="sng" dirty="0">
                 <a:solidFill>
                   <a:srgbClr val="FF0000"/>
                 </a:solidFill>
@@ -4687,7 +4682,7 @@
               <a:t> Plugin “ Members” </a:t>
             </a:r>
             <a:r>
-              <a:rPr lang="en-US" b="1" u="sng" dirty="0" err="1" smtClean="0">
+              <a:rPr lang="en-US" b="1" u="sng" dirty="0" err="1">
                 <a:solidFill>
                   <a:srgbClr val="FF0000"/>
                 </a:solidFill>
@@ -4695,7 +4690,7 @@
               <a:t>để</a:t>
             </a:r>
             <a:r>
-              <a:rPr lang="en-US" b="1" u="sng" dirty="0" smtClean="0">
+              <a:rPr lang="en-US" b="1" u="sng" dirty="0">
                 <a:solidFill>
                   <a:srgbClr val="FF0000"/>
                 </a:solidFill>
@@ -4703,7 +4698,7 @@
               <a:t> </a:t>
             </a:r>
             <a:r>
-              <a:rPr lang="en-US" b="1" u="sng" dirty="0" err="1" smtClean="0">
+              <a:rPr lang="en-US" b="1" u="sng" dirty="0" err="1">
                 <a:solidFill>
                   <a:srgbClr val="FF0000"/>
                 </a:solidFill>
@@ -4711,7 +4706,7 @@
               <a:t>chỉnh</a:t>
             </a:r>
             <a:r>
-              <a:rPr lang="en-US" b="1" u="sng" dirty="0" smtClean="0">
+              <a:rPr lang="en-US" b="1" u="sng" dirty="0">
                 <a:solidFill>
                   <a:srgbClr val="FF0000"/>
                 </a:solidFill>
@@ -4719,7 +4714,7 @@
               <a:t> </a:t>
             </a:r>
             <a:r>
-              <a:rPr lang="en-US" b="1" u="sng" dirty="0" err="1" smtClean="0">
+              <a:rPr lang="en-US" b="1" u="sng" dirty="0" err="1">
                 <a:solidFill>
                   <a:srgbClr val="FF0000"/>
                 </a:solidFill>
@@ -4727,7 +4722,7 @@
               <a:t>sửa</a:t>
             </a:r>
             <a:r>
-              <a:rPr lang="en-US" b="1" u="sng" dirty="0" smtClean="0">
+              <a:rPr lang="en-US" b="1" u="sng" dirty="0">
                 <a:solidFill>
                   <a:srgbClr val="FF0000"/>
                 </a:solidFill>
@@ -4735,7 +4730,7 @@
               <a:t> </a:t>
             </a:r>
             <a:r>
-              <a:rPr lang="en-US" b="1" u="sng" dirty="0" err="1" smtClean="0">
+              <a:rPr lang="en-US" b="1" u="sng" dirty="0" err="1">
                 <a:solidFill>
                   <a:srgbClr val="FF0000"/>
                 </a:solidFill>
@@ -4743,10 +4738,9 @@
               <a:t>quyền</a:t>
             </a:r>
             <a:r>
-              <a:rPr lang="en-US" dirty="0" smtClean="0"/>
+              <a:rPr lang="en-US" dirty="0"/>
               <a:t>.</a:t>
             </a:r>
-            <a:endParaRPr lang="en-US" dirty="0"/>
           </a:p>
         </p:txBody>
       </p:sp>
@@ -5091,6 +5085,88 @@
           <a:p>
             <a:pPr algn="ctr"/>
             <a:endParaRPr lang="en-US"/>
+          </a:p>
+        </p:txBody>
+      </p:sp>
+      <p:sp>
+        <p:nvSpPr>
+          <p:cNvPr id="3" name="Rectangle 2">
+            <a:extLst>
+              <a:ext uri="{FF2B5EF4-FFF2-40B4-BE49-F238E27FC236}">
+                <a16:creationId xmlns:a16="http://schemas.microsoft.com/office/drawing/2014/main" id="{C466FADE-D160-42E0-BA92-59956DC4B04F}"/>
+              </a:ext>
+            </a:extLst>
+          </p:cNvPr>
+          <p:cNvSpPr/>
+          <p:nvPr/>
+        </p:nvSpPr>
+        <p:spPr>
+          <a:xfrm>
+            <a:off x="71960" y="2308194"/>
+            <a:ext cx="2262868" cy="355107"/>
+          </a:xfrm>
+          <a:prstGeom prst="rect">
+            <a:avLst/>
+          </a:prstGeom>
+          <a:noFill/>
+        </p:spPr>
+        <p:style>
+          <a:lnRef idx="2">
+            <a:schemeClr val="accent2">
+              <a:shade val="50000"/>
+            </a:schemeClr>
+          </a:lnRef>
+          <a:fillRef idx="1">
+            <a:schemeClr val="accent2"/>
+          </a:fillRef>
+          <a:effectRef idx="0">
+            <a:schemeClr val="accent2"/>
+          </a:effectRef>
+          <a:fontRef idx="minor">
+            <a:schemeClr val="lt1"/>
+          </a:fontRef>
+        </p:style>
+        <p:txBody>
+          <a:bodyPr rtlCol="0" anchor="ctr"/>
+          <a:lstStyle/>
+          <a:p>
+            <a:pPr algn="ctr"/>
+            <a:endParaRPr lang="en-US"/>
+          </a:p>
+        </p:txBody>
+      </p:sp>
+      <p:sp>
+        <p:nvSpPr>
+          <p:cNvPr id="7" name="TextBox 6">
+            <a:extLst>
+              <a:ext uri="{FF2B5EF4-FFF2-40B4-BE49-F238E27FC236}">
+                <a16:creationId xmlns:a16="http://schemas.microsoft.com/office/drawing/2014/main" id="{9F4A7150-F67A-4B91-B7F4-2F42FE5AD356}"/>
+              </a:ext>
+            </a:extLst>
+          </p:cNvPr>
+          <p:cNvSpPr txBox="1"/>
+          <p:nvPr/>
+        </p:nvSpPr>
+        <p:spPr>
+          <a:xfrm>
+            <a:off x="559293" y="6297852"/>
+            <a:ext cx="7350711" cy="369332"/>
+          </a:xfrm>
+          <a:prstGeom prst="rect">
+            <a:avLst/>
+          </a:prstGeom>
+          <a:noFill/>
+        </p:spPr>
+        <p:txBody>
+          <a:bodyPr wrap="square" rtlCol="0">
+            <a:spAutoFit/>
+          </a:bodyPr>
+          <a:lstStyle/>
+          <a:p>
+            <a:r>
+              <a:rPr lang="en-US"/>
+              <a:t>Cần phân quyền lại.</a:t>
+            </a:r>
           </a:p>
         </p:txBody>
       </p:sp>
